--- a/web/b22/0_info_meeting/+ Information Meeting.pptx
+++ b/web/b22/0_info_meeting/+ Information Meeting.pptx
@@ -4495,7 +4495,7 @@
         </p:nvSpPr>
         <p:spPr bwMode="auto">
           <a:xfrm>
-            <a:off x="467544" y="332656"/>
+            <a:off x="467544" y="188640"/>
             <a:ext cx="8361247" cy="1152427"/>
           </a:xfrm>
           <a:prstGeom prst="rect">
@@ -4653,7 +4653,7 @@
             <a:pPr marL="358775"/>
             <a:r>
               <a:rPr lang="en-GB" altLang="da-DK" sz="2800" dirty="0" smtClean="0"/>
-              <a:t>Welcome to the information meeting for bachelor projects in the spring of 2021</a:t>
+              <a:t>Welcome to the information meeting for bachelor projects in the spring of 2022</a:t>
             </a:r>
             <a:endParaRPr lang="en-GB" altLang="da-DK" sz="2800" dirty="0"/>
           </a:p>
@@ -4669,8 +4669,8 @@
         </p:nvSpPr>
         <p:spPr bwMode="auto">
           <a:xfrm>
-            <a:off x="899592" y="1508107"/>
-            <a:ext cx="7929199" cy="5040560"/>
+            <a:off x="899592" y="1412776"/>
+            <a:ext cx="8136904" cy="5256584"/>
           </a:xfrm>
           <a:prstGeom prst="rect">
             <a:avLst/>
@@ -4863,7 +4863,7 @@
             </a:pPr>
             <a:r>
               <a:rPr lang="en-GB" altLang="da-DK" sz="1600" dirty="0" smtClean="0"/>
-              <a:t>Blackboard pages</a:t>
+              <a:t>Brightspace pages</a:t>
             </a:r>
             <a:endParaRPr lang="en-GB" altLang="da-DK" sz="1600" dirty="0"/>
           </a:p>
@@ -4894,61 +4894,6 @@
               <a:buChar char="•"/>
             </a:pPr>
             <a:r>
-              <a:rPr lang="en-GB" altLang="da-DK" sz="1800" b="1" dirty="0">
-                <a:solidFill>
-                  <a:srgbClr val="A50021"/>
-                </a:solidFill>
-              </a:rPr>
-              <a:t>The rest of this talk will be conducted in </a:t>
-            </a:r>
-            <a:r>
-              <a:rPr lang="en-GB" altLang="da-DK" sz="1800" b="1" dirty="0" smtClean="0">
-                <a:solidFill>
-                  <a:srgbClr val="A50021"/>
-                </a:solidFill>
-              </a:rPr>
-              <a:t>Danish</a:t>
-            </a:r>
-          </a:p>
-          <a:p>
-            <a:pPr marL="728663" lvl="1" indent="-271463">
-              <a:spcBef>
-                <a:spcPts val="300"/>
-              </a:spcBef>
-            </a:pPr>
-            <a:r>
-              <a:rPr lang="en-GB" altLang="da-DK" sz="1600" dirty="0" smtClean="0"/>
-              <a:t>Students enrolled for bachelor courses must be able to speak Danish</a:t>
-            </a:r>
-          </a:p>
-          <a:p>
-            <a:pPr marL="728663" lvl="1" indent="-271463">
-              <a:spcBef>
-                <a:spcPts val="300"/>
-              </a:spcBef>
-            </a:pPr>
-            <a:r>
-              <a:rPr lang="en-GB" altLang="da-DK" sz="1600" dirty="0" smtClean="0"/>
-              <a:t>Slides </a:t>
-            </a:r>
-            <a:r>
-              <a:rPr lang="en-GB" altLang="da-DK" sz="1600" dirty="0"/>
-              <a:t>will be in </a:t>
-            </a:r>
-            <a:r>
-              <a:rPr lang="en-GB" altLang="da-DK" sz="1600" dirty="0" smtClean="0"/>
-              <a:t>English (to help advisors who do not speak Danish)</a:t>
-            </a:r>
-            <a:endParaRPr lang="en-GB" altLang="da-DK" sz="1600" dirty="0"/>
-          </a:p>
-          <a:p>
-            <a:pPr marL="271463" lvl="1" indent="-271463">
-              <a:spcBef>
-                <a:spcPts val="1200"/>
-              </a:spcBef>
-              <a:buChar char="•"/>
-            </a:pPr>
-            <a:r>
               <a:rPr lang="en-GB" altLang="da-DK" sz="1800" b="1" dirty="0" smtClean="0">
                 <a:solidFill>
                   <a:srgbClr val="A50021"/>
@@ -4986,16 +4931,8 @@
               <a:t>I will give a brief presentation of the rules for bachelor projects and the organisation of the bachelor project course </a:t>
             </a:r>
             <a:r>
-              <a:rPr lang="en-GB" altLang="da-DK" sz="1600" smtClean="0"/>
-              <a:t>(</a:t>
-            </a:r>
-            <a:r>
-              <a:rPr lang="en-GB" altLang="da-DK" sz="1600" smtClean="0"/>
-              <a:t>25-30</a:t>
-            </a:r>
-            <a:r>
-              <a:rPr lang="en-GB" altLang="da-DK" sz="1600" smtClean="0"/>
-              <a:t> </a:t>
+              <a:rPr lang="en-GB" altLang="da-DK" sz="1600" dirty="0" smtClean="0"/>
+              <a:t>(20 </a:t>
             </a:r>
             <a:r>
               <a:rPr lang="en-GB" altLang="da-DK" sz="1600" dirty="0"/>
@@ -5044,11 +4981,11 @@
             </a:r>
             <a:r>
               <a:rPr lang="en-GB" altLang="da-DK" sz="1600" dirty="0"/>
-              <a:t>groups will give a 5 </a:t>
+              <a:t>groups will give </a:t>
             </a:r>
             <a:r>
               <a:rPr lang="en-GB" altLang="da-DK" sz="1600" dirty="0" smtClean="0"/>
-              <a:t>minutes' </a:t>
+              <a:t>an 8 minutes' </a:t>
             </a:r>
             <a:r>
               <a:rPr lang="en-GB" altLang="da-DK" sz="1600" dirty="0"/>
@@ -5065,7 +5002,7 @@
             </a:pPr>
             <a:r>
               <a:rPr lang="en-GB" altLang="da-DK" sz="1600" spc="-30" dirty="0" smtClean="0"/>
-              <a:t>Meet advisors from the different research group</a:t>
+              <a:t>Meet advisors from the different research group (outside auditorium)</a:t>
             </a:r>
             <a:endParaRPr lang="en-GB" altLang="da-DK" sz="1600" spc="-30" dirty="0"/>
           </a:p>
@@ -5094,22 +5031,69 @@
               <a:buChar char="–"/>
             </a:pPr>
             <a:r>
+              <a:rPr lang="en-GB" altLang="da-DK" sz="1600" spc="-50" dirty="0"/>
+              <a:t>All slides can be found on the </a:t>
+            </a:r>
+            <a:r>
+              <a:rPr lang="en-GB" altLang="da-DK" sz="1600" spc="-50" dirty="0" smtClean="0"/>
+              <a:t>Brightspace page </a:t>
+            </a:r>
+            <a:r>
+              <a:rPr lang="en-US" altLang="da-DK" sz="1600" b="1" spc="-50" dirty="0" smtClean="0">
+                <a:solidFill>
+                  <a:srgbClr val="008000"/>
+                </a:solidFill>
+              </a:rPr>
+              <a:t>Lectures (with slides and videos)</a:t>
+            </a:r>
+          </a:p>
+          <a:p>
+            <a:pPr marL="271463" lvl="1" indent="-271463">
+              <a:spcBef>
+                <a:spcPts val="1200"/>
+              </a:spcBef>
+              <a:buChar char="•"/>
+            </a:pPr>
+            <a:r>
+              <a:rPr lang="en-GB" altLang="da-DK" sz="1800" b="1" dirty="0">
+                <a:solidFill>
+                  <a:srgbClr val="A50021"/>
+                </a:solidFill>
+              </a:rPr>
+              <a:t>The rest of this talk will be conducted in Danish</a:t>
+            </a:r>
+          </a:p>
+          <a:p>
+            <a:pPr marL="728663" lvl="1" indent="-271463">
+              <a:spcBef>
+                <a:spcPts val="300"/>
+              </a:spcBef>
+            </a:pPr>
+            <a:r>
               <a:rPr lang="en-GB" altLang="da-DK" sz="1600" dirty="0"/>
-              <a:t>All slides can be found on the Blackboard </a:t>
-            </a:r>
-            <a:r>
-              <a:rPr lang="en-GB" altLang="da-DK" sz="1600" dirty="0" smtClean="0"/>
-              <a:t>page </a:t>
-            </a:r>
-            <a:r>
-              <a:rPr lang="en-US" altLang="da-DK" sz="1600" b="1" dirty="0" smtClean="0">
-                <a:solidFill>
-                  <a:srgbClr val="008000"/>
-                </a:solidFill>
-              </a:rPr>
-              <a:t>Lectures (with slides)</a:t>
-            </a:r>
-            <a:endParaRPr lang="da-DK" altLang="da-DK" sz="2000" dirty="0"/>
+              <a:t>Students enrolled for bachelor courses must be able to speak Danish</a:t>
+            </a:r>
+          </a:p>
+          <a:p>
+            <a:pPr marL="728663" lvl="1" indent="-271463">
+              <a:spcBef>
+                <a:spcPts val="300"/>
+              </a:spcBef>
+            </a:pPr>
+            <a:r>
+              <a:rPr lang="en-GB" altLang="da-DK" sz="1600" dirty="0"/>
+              <a:t>Slides will be in English (to help advisors who do not speak Danish)</a:t>
+            </a:r>
+          </a:p>
+          <a:p>
+            <a:pPr marL="728663" lvl="1" indent="-271463">
+              <a:spcBef>
+                <a:spcPts val="600"/>
+              </a:spcBef>
+              <a:buFont typeface="+mj-lt"/>
+              <a:buChar char="–"/>
+            </a:pPr>
+            <a:endParaRPr lang="da-DK" altLang="da-DK" sz="2000" spc="-50" dirty="0"/>
           </a:p>
           <a:p>
             <a:pPr>
@@ -5182,7 +5166,7 @@
             </a:pPr>
             <a:r>
               <a:rPr lang="en-GB" altLang="da-DK" sz="2800" dirty="0" smtClean="0"/>
-              <a:t>Bachelor "contract"</a:t>
+              <a:t>Bachelor project "contract"</a:t>
             </a:r>
           </a:p>
         </p:txBody>
@@ -5230,34 +5214,25 @@
                 </a:solidFill>
                 <a:cs typeface="ＭＳ Ｐゴシック" charset="0"/>
               </a:rPr>
-              <a:t>each </a:t>
-            </a:r>
-            <a:r>
-              <a:rPr lang="en-GB" altLang="da-DK" sz="1800" b="1" smtClean="0">
+              <a:t>each group makes </a:t>
+            </a:r>
+            <a:r>
+              <a:rPr lang="en-GB" altLang="da-DK" sz="1800" b="1" dirty="0">
                 <a:solidFill>
                   <a:srgbClr val="A50021"/>
                 </a:solidFill>
                 <a:cs typeface="ＭＳ Ｐゴシック" charset="0"/>
               </a:rPr>
-              <a:t>group makes </a:t>
-            </a:r>
-            <a:r>
-              <a:rPr lang="en-GB" altLang="da-DK" sz="1800" b="1" dirty="0">
+              <a:t>a </a:t>
+            </a:r>
+            <a:r>
+              <a:rPr lang="en-GB" altLang="da-DK" sz="1800" b="1" dirty="0" smtClean="0">
                 <a:solidFill>
                   <a:srgbClr val="A50021"/>
                 </a:solidFill>
                 <a:cs typeface="ＭＳ Ｐゴシック" charset="0"/>
               </a:rPr>
-              <a:t>a bachelor </a:t>
-            </a:r>
-            <a:r>
-              <a:rPr lang="en-GB" altLang="da-DK" sz="1800" b="1" dirty="0" smtClean="0">
-                <a:solidFill>
-                  <a:srgbClr val="A50021"/>
-                </a:solidFill>
-                <a:cs typeface="ＭＳ Ｐゴシック" charset="0"/>
-              </a:rPr>
-              <a:t>contract, which is a 1-3 page document containing</a:t>
+              <a:t>bachelor project contract, which is a 1-3 page document containing</a:t>
             </a:r>
           </a:p>
           <a:p>
@@ -5617,7 +5592,7 @@
         <p:spPr>
           <a:xfrm>
             <a:off x="468312" y="1052736"/>
-            <a:ext cx="8352159" cy="4824536"/>
+            <a:ext cx="8424168" cy="5184576"/>
           </a:xfrm>
           <a:noFill/>
         </p:spPr>
@@ -5638,7 +5613,7 @@
                 </a:solidFill>
                 <a:cs typeface="ＭＳ Ｐゴシック" charset="0"/>
               </a:rPr>
-              <a:t>Monday February 1</a:t>
+              <a:t>Monday January 31</a:t>
             </a:r>
             <a:endParaRPr lang="en-GB" altLang="da-DK" sz="1800" b="1" dirty="0">
               <a:solidFill>
@@ -5659,11 +5634,19 @@
             </a:r>
             <a:r>
               <a:rPr lang="en-GB" altLang="da-DK" sz="1600" b="1" dirty="0"/>
-              <a:t>How to make a useful bachelor contract</a:t>
+              <a:t>How to make a useful </a:t>
+            </a:r>
+            <a:r>
+              <a:rPr lang="en-GB" altLang="da-DK" sz="1600" b="1" dirty="0" smtClean="0"/>
+              <a:t>bachelor project contract</a:t>
+            </a:r>
+            <a:r>
+              <a:rPr lang="en-GB" altLang="da-DK" sz="1600" dirty="0" smtClean="0"/>
+              <a:t> </a:t>
             </a:r>
             <a:r>
               <a:rPr lang="en-GB" altLang="da-DK" sz="1600" dirty="0"/>
-              <a:t> (by Kurt Jensen)</a:t>
+              <a:t>(by Kurt Jensen)</a:t>
             </a:r>
           </a:p>
           <a:p>
@@ -5674,7 +5657,7 @@
             </a:pPr>
             <a:r>
               <a:rPr lang="en-GB" altLang="da-DK" sz="1600" dirty="0" smtClean="0"/>
-              <a:t>A </a:t>
+              <a:t>Followed by a </a:t>
             </a:r>
             <a:r>
               <a:rPr lang="en-GB" altLang="da-DK" sz="1600" dirty="0"/>
@@ -5682,7 +5665,7 @@
             </a:r>
             <a:r>
               <a:rPr lang="en-GB" altLang="da-DK" sz="1600" dirty="0" smtClean="0"/>
-              <a:t>the advisors from the </a:t>
+              <a:t>the advisors from your </a:t>
             </a:r>
             <a:r>
               <a:rPr lang="en-GB" altLang="da-DK" sz="1600" dirty="0"/>
@@ -5694,17 +5677,6 @@
             </a:r>
           </a:p>
           <a:p>
-            <a:pPr marL="728663" lvl="1" indent="-271463">
-              <a:spcBef>
-                <a:spcPts val="300"/>
-              </a:spcBef>
-            </a:pPr>
-            <a:r>
-              <a:rPr lang="en-GB" altLang="da-DK" sz="1600" dirty="0" smtClean="0"/>
-              <a:t>The meeting will take place immediately after the lecture or during the week – depending on the corona situation and the availability of rooms</a:t>
-            </a:r>
-          </a:p>
-          <a:p>
             <a:pPr marL="271463" lvl="1" indent="-271463">
               <a:spcBef>
                 <a:spcPts val="1200"/>
@@ -5712,13 +5684,22 @@
               <a:buChar char="•"/>
             </a:pPr>
             <a:r>
+              <a:rPr lang="en-US" altLang="da-DK" sz="1800" b="1" dirty="0" smtClean="0">
+                <a:solidFill>
+                  <a:srgbClr val="A50021"/>
+                </a:solidFill>
+                <a:cs typeface="ＭＳ Ｐゴシック" charset="0"/>
+              </a:rPr>
+              <a:t>Monday </a:t>
+            </a:r>
+            <a:r>
               <a:rPr lang="en-US" altLang="da-DK" sz="1800" b="1" dirty="0">
                 <a:solidFill>
                   <a:srgbClr val="A50021"/>
                 </a:solidFill>
                 <a:cs typeface="ＭＳ Ｐゴシック" charset="0"/>
               </a:rPr>
-              <a:t>Monday February, </a:t>
+              <a:t>February, </a:t>
             </a:r>
             <a:r>
               <a:rPr lang="en-US" altLang="da-DK" sz="1800" b="1" dirty="0" smtClean="0">
@@ -5727,7 +5708,7 @@
                 </a:solidFill>
                 <a:cs typeface="ＭＳ Ｐゴシック" charset="0"/>
               </a:rPr>
-              <a:t>15</a:t>
+              <a:t>14</a:t>
             </a:r>
             <a:endParaRPr lang="en-US" altLang="da-DK" sz="1800" b="1" dirty="0">
               <a:solidFill>
@@ -5773,7 +5754,7 @@
                 </a:solidFill>
                 <a:cs typeface="ＭＳ Ｐゴシック" charset="0"/>
               </a:rPr>
-              <a:t>Monday </a:t>
+              <a:t>Monday February, </a:t>
             </a:r>
             <a:r>
               <a:rPr lang="en-US" altLang="da-DK" sz="1800" b="1" dirty="0" smtClean="0">
@@ -5782,7 +5763,7 @@
                 </a:solidFill>
                 <a:cs typeface="ＭＳ Ｐゴシック" charset="0"/>
               </a:rPr>
-              <a:t>March 1</a:t>
+              <a:t>28</a:t>
             </a:r>
             <a:endParaRPr lang="en-US" altLang="da-DK" sz="1800" b="1" dirty="0">
               <a:solidFill>
@@ -5837,7 +5818,7 @@
                 </a:solidFill>
                 <a:cs typeface="ＭＳ Ｐゴシック" charset="0"/>
               </a:rPr>
-              <a:t>15</a:t>
+              <a:t>14</a:t>
             </a:r>
             <a:endParaRPr lang="en-US" altLang="da-DK" sz="1800" b="1" dirty="0">
               <a:solidFill>
@@ -5858,11 +5839,11 @@
             </a:r>
             <a:r>
               <a:rPr lang="en-US" altLang="da-DK" sz="1600" b="1" dirty="0"/>
-              <a:t>How to make a good oral presentation at the exam</a:t>
+              <a:t>How to make proper charts and graphs</a:t>
             </a:r>
             <a:r>
               <a:rPr lang="en-US" altLang="da-DK" sz="1600" dirty="0"/>
-              <a:t> (by Kurt Jensen</a:t>
+              <a:t> (by Hans-Jörg Schulz</a:t>
             </a:r>
             <a:r>
               <a:rPr lang="en-US" altLang="da-DK" sz="1600" dirty="0" smtClean="0"/>
@@ -5893,7 +5874,7 @@
                 </a:solidFill>
                 <a:cs typeface="ＭＳ Ｐゴシック" charset="0"/>
               </a:rPr>
-              <a:t>29</a:t>
+              <a:t>28</a:t>
             </a:r>
             <a:endParaRPr lang="en-US" altLang="da-DK" sz="1800" b="1" dirty="0">
               <a:solidFill>
@@ -5918,11 +5899,11 @@
             </a:r>
             <a:r>
               <a:rPr lang="en-US" altLang="da-DK" sz="1600" b="1" dirty="0"/>
-              <a:t>How to make proper charts and graphs</a:t>
+              <a:t>How to make a good oral presentation at the exam</a:t>
             </a:r>
             <a:r>
               <a:rPr lang="en-US" altLang="da-DK" sz="1600" dirty="0"/>
-              <a:t> (by Hans-Jörg Schulz)</a:t>
+              <a:t> (by Kurt Jensen)</a:t>
             </a:r>
             <a:endParaRPr lang="en-US" altLang="da-DK" sz="1600" dirty="0" smtClean="0"/>
           </a:p>
@@ -5935,7 +5916,7 @@
               <a:buChar char="•"/>
             </a:pPr>
             <a:r>
-              <a:rPr lang="en-GB" altLang="da-DK" sz="1800" b="1" dirty="0" smtClean="0">
+              <a:rPr lang="en-GB" altLang="da-DK" sz="1800" b="1" spc="-20" dirty="0" smtClean="0">
                 <a:solidFill>
                   <a:srgbClr val="A50021"/>
                 </a:solidFill>
@@ -5944,7 +5925,7 @@
               <a:t>If </a:t>
             </a:r>
             <a:r>
-              <a:rPr lang="en-GB" altLang="da-DK" sz="1800" b="1" dirty="0">
+              <a:rPr lang="en-GB" altLang="da-DK" sz="1800" b="1" spc="-20" dirty="0">
                 <a:solidFill>
                   <a:srgbClr val="A50021"/>
                 </a:solidFill>
@@ -5953,18 +5934,15 @@
               <a:t>you have proposals for additional lectures (or other common activities), please send me a mail or make a posting on the </a:t>
             </a:r>
             <a:r>
-              <a:rPr lang="en-GB" altLang="da-DK" sz="1800" b="1" dirty="0" smtClean="0">
+              <a:rPr lang="en-US" altLang="da-DK" sz="1800" b="1" spc="-20" dirty="0" smtClean="0">
                 <a:solidFill>
                   <a:srgbClr val="A50021"/>
                 </a:solidFill>
                 <a:cs typeface="ＭＳ Ｐゴシック" charset="0"/>
               </a:rPr>
-              <a:t>webboard</a:t>
-            </a:r>
-            <a:r>
-              <a:rPr lang="en-US" altLang="da-DK" sz="1600" dirty="0" smtClean="0"/>
-              <a:t> </a:t>
-            </a:r>
+              <a:t>discussion forum</a:t>
+            </a:r>
+            <a:endParaRPr lang="en-US" altLang="da-DK" sz="1600" spc="-20" dirty="0" smtClean="0"/>
           </a:p>
           <a:p>
             <a:pPr marL="728663" lvl="1" indent="-271463">
@@ -6067,7 +6045,7 @@
             </a:pPr>
             <a:r>
               <a:rPr lang="en-GB" altLang="da-DK" sz="2800" dirty="0" smtClean="0"/>
-              <a:t>Blackboard page for the course</a:t>
+              <a:t>Brightspace page for the course</a:t>
             </a:r>
           </a:p>
         </p:txBody>
@@ -6100,7 +6078,7 @@
               <a:buChar char="•"/>
             </a:pPr>
             <a:r>
-              <a:rPr lang="en-GB" altLang="da-DK" b="1" dirty="0">
+              <a:rPr lang="en-GB" altLang="da-DK" sz="1800" b="1" dirty="0">
                 <a:solidFill>
                   <a:srgbClr val="A50021"/>
                 </a:solidFill>
@@ -6116,14 +6094,22 @@
               </a:spcBef>
             </a:pPr>
             <a:r>
-              <a:rPr lang="en-GB" altLang="da-DK" sz="1800" dirty="0"/>
-              <a:t>"Announcements" which contain important information about things you must remember to do </a:t>
-            </a:r>
-            <a:r>
-              <a:rPr lang="en-GB" altLang="da-DK" sz="1800" dirty="0" smtClean="0"/>
+              <a:rPr lang="en-GB" altLang="da-DK" sz="1600" dirty="0"/>
+              <a:t>"Announcements" which contain important information </a:t>
+            </a:r>
+            <a:r>
+              <a:rPr lang="en-GB" altLang="da-DK" sz="1600" dirty="0" smtClean="0"/>
+              <a:t>from me about </a:t>
+            </a:r>
+            <a:r>
+              <a:rPr lang="en-GB" altLang="da-DK" sz="1600" dirty="0"/>
+              <a:t>things you must remember to do </a:t>
+            </a:r>
+            <a:r>
+              <a:rPr lang="en-GB" altLang="da-DK" sz="1600" dirty="0" smtClean="0"/>
               <a:t>(or avoid)</a:t>
             </a:r>
-            <a:endParaRPr lang="en-GB" altLang="da-DK" sz="1800" dirty="0"/>
+            <a:endParaRPr lang="en-GB" altLang="da-DK" sz="1600" dirty="0"/>
           </a:p>
           <a:p>
             <a:pPr marL="728663" lvl="1" indent="-271463">
@@ -6132,13 +6118,10 @@
               </a:spcBef>
             </a:pPr>
             <a:r>
-              <a:rPr lang="en-GB" altLang="da-DK" sz="1800" dirty="0" smtClean="0"/>
-              <a:t>The postings on the "Webboard</a:t>
-            </a:r>
-            <a:r>
-              <a:rPr lang="en-GB" altLang="da-DK" sz="1800" dirty="0"/>
-              <a:t>" (discussion forum)</a:t>
-            </a:r>
+              <a:rPr lang="en-GB" altLang="da-DK" sz="1600" dirty="0" smtClean="0"/>
+              <a:t>The postings on the “Discussion forum”</a:t>
+            </a:r>
+            <a:endParaRPr lang="en-GB" altLang="da-DK" sz="1600" dirty="0"/>
           </a:p>
           <a:p>
             <a:pPr marL="728663" lvl="1" indent="-271463">
@@ -6147,15 +6130,15 @@
               </a:spcBef>
             </a:pPr>
             <a:r>
-              <a:rPr lang="en-GB" altLang="da-DK" sz="1800" dirty="0"/>
-              <a:t>Mails which I send to you via Blackboard </a:t>
-            </a:r>
-            <a:r>
-              <a:rPr lang="en-GB" altLang="da-DK" sz="1800" dirty="0" smtClean="0"/>
-              <a:t>(directed to </a:t>
-            </a:r>
-            <a:r>
-              <a:rPr lang="en-GB" altLang="da-DK" sz="1800" dirty="0"/>
+              <a:rPr lang="en-GB" altLang="da-DK" sz="1600" dirty="0"/>
+              <a:t>Mails which I send to you via </a:t>
+            </a:r>
+            <a:r>
+              <a:rPr lang="en-GB" altLang="da-DK" sz="1600" dirty="0" smtClean="0"/>
+              <a:t>Brightspace (via </a:t>
+            </a:r>
+            <a:r>
+              <a:rPr lang="en-GB" altLang="da-DK" sz="1600" dirty="0"/>
               <a:t>your AU mail account)</a:t>
             </a:r>
           </a:p>
@@ -6166,31 +6149,31 @@
               </a:spcBef>
             </a:pPr>
             <a:r>
-              <a:rPr lang="en-GB" altLang="da-DK" sz="1800" dirty="0" smtClean="0"/>
+              <a:rPr lang="en-GB" altLang="da-DK" sz="1600" dirty="0" smtClean="0"/>
               <a:t>If </a:t>
             </a:r>
             <a:r>
-              <a:rPr lang="en-GB" altLang="da-DK" sz="1800" dirty="0"/>
+              <a:rPr lang="en-GB" altLang="da-DK" sz="1600" dirty="0"/>
               <a:t>you miss some of this information for a longer period of </a:t>
             </a:r>
             <a:r>
-              <a:rPr lang="en-GB" altLang="da-DK" sz="1800" dirty="0" smtClean="0"/>
+              <a:rPr lang="en-GB" altLang="da-DK" sz="1600" dirty="0" smtClean="0"/>
               <a:t>time, you may </a:t>
             </a:r>
             <a:r>
-              <a:rPr lang="en-GB" altLang="da-DK" sz="1800" dirty="0"/>
+              <a:rPr lang="en-GB" altLang="da-DK" sz="1600" dirty="0"/>
               <a:t>get into serious </a:t>
             </a:r>
             <a:r>
-              <a:rPr lang="en-GB" altLang="da-DK" sz="1800" dirty="0" smtClean="0"/>
+              <a:rPr lang="en-GB" altLang="da-DK" sz="1600" dirty="0" smtClean="0"/>
               <a:t>problems (or loose valuable efforts/time) </a:t>
             </a:r>
-            <a:endParaRPr lang="en-GB" altLang="da-DK" sz="1800" dirty="0"/>
+            <a:endParaRPr lang="en-GB" altLang="da-DK" sz="1600" dirty="0"/>
           </a:p>
           <a:p>
             <a:pPr marL="271463" lvl="1" indent="-271463">
               <a:spcBef>
-                <a:spcPts val="1200"/>
+                <a:spcPts val="1800"/>
               </a:spcBef>
               <a:buChar char="•"/>
             </a:pPr>
@@ -6201,33 +6184,34 @@
                 </a:solidFill>
                 <a:cs typeface="ＭＳ Ｐゴシック" charset="0"/>
               </a:rPr>
-              <a:t>Each research group has a separate page</a:t>
-            </a:r>
-          </a:p>
-          <a:p>
-            <a:pPr marL="728663" lvl="1" indent="-271463">
-              <a:spcBef>
-                <a:spcPts val="300"/>
-              </a:spcBef>
-            </a:pPr>
-            <a:r>
-              <a:rPr lang="en-GB" altLang="da-DK" sz="1600" dirty="0"/>
-              <a:t>You will find these pages under the </a:t>
-            </a:r>
-            <a:r>
-              <a:rPr lang="en-GB" altLang="da-DK" sz="1600" dirty="0" smtClean="0"/>
-              <a:t>sub-header "Material from"</a:t>
-            </a:r>
-          </a:p>
-          <a:p>
-            <a:pPr marL="728663" lvl="1" indent="-271463">
-              <a:spcBef>
-                <a:spcPts val="300"/>
-              </a:spcBef>
-            </a:pPr>
-            <a:r>
-              <a:rPr lang="en-GB" altLang="da-DK" sz="1600" dirty="0" smtClean="0"/>
-              <a:t>Here you can find different kinds of material from the research group</a:t>
+              <a:t>Each research group has a separate Brightspace page where </a:t>
+            </a:r>
+            <a:r>
+              <a:rPr lang="en-US" altLang="da-DK" sz="1800" b="1" dirty="0" smtClean="0">
+                <a:solidFill>
+                  <a:srgbClr val="A50021"/>
+                </a:solidFill>
+                <a:cs typeface="ＭＳ Ｐゴシック" charset="0"/>
+              </a:rPr>
+              <a:t>you </a:t>
+            </a:r>
+            <a:r>
+              <a:rPr lang="en-US" altLang="da-DK" sz="1800" b="1" dirty="0">
+                <a:solidFill>
+                  <a:srgbClr val="A50021"/>
+                </a:solidFill>
+                <a:cs typeface="ＭＳ Ｐゴシック" charset="0"/>
+              </a:rPr>
+              <a:t>can find different kinds of material from the research </a:t>
+            </a:r>
+            <a:r>
+              <a:rPr lang="en-US" altLang="da-DK" sz="1800" b="1" dirty="0" smtClean="0">
+                <a:solidFill>
+                  <a:srgbClr val="A50021"/>
+                </a:solidFill>
+                <a:cs typeface="ＭＳ Ｐゴシック" charset="0"/>
+              </a:rPr>
+              <a:t>group</a:t>
             </a:r>
             <a:endParaRPr lang="en-GB" altLang="da-DK" sz="1800" b="1" dirty="0" smtClean="0">
               <a:solidFill>
@@ -6235,6 +6219,33 @@
               </a:solidFill>
               <a:cs typeface="ＭＳ Ｐゴシック" charset="0"/>
             </a:endParaRPr>
+          </a:p>
+          <a:p>
+            <a:pPr marL="728663" lvl="1" indent="-271463">
+              <a:spcBef>
+                <a:spcPts val="300"/>
+              </a:spcBef>
+            </a:pPr>
+            <a:r>
+              <a:rPr lang="en-GB" altLang="da-DK" sz="1600" dirty="0" smtClean="0"/>
+              <a:t>You </a:t>
+            </a:r>
+            <a:r>
+              <a:rPr lang="en-GB" altLang="da-DK" sz="1600" dirty="0"/>
+              <a:t>will find these pages under </a:t>
+            </a:r>
+            <a:r>
+              <a:rPr lang="en-GB" altLang="da-DK" sz="1600" dirty="0" smtClean="0"/>
+              <a:t>"</a:t>
+            </a:r>
+            <a:r>
+              <a:rPr lang="en-GB" altLang="da-DK" sz="1600" b="1" dirty="0" smtClean="0"/>
+              <a:t>Material from the individual research groups</a:t>
+            </a:r>
+            <a:r>
+              <a:rPr lang="en-GB" altLang="da-DK" sz="1600" dirty="0" smtClean="0"/>
+              <a:t>"</a:t>
+            </a:r>
           </a:p>
         </p:txBody>
       </p:sp>
@@ -7145,7 +7156,7 @@
                   <a:srgbClr val="A50021"/>
                 </a:solidFill>
               </a:rPr>
-              <a:t>There will be a total of approximately 130 students doing their cs / it bachelor project in the Spring of 2021</a:t>
+              <a:t>There will be a total of approximately 125 students doing their cs / it bachelor project in the Spring of 2022</a:t>
             </a:r>
           </a:p>
           <a:p>
@@ -7156,7 +7167,7 @@
             </a:pPr>
             <a:r>
               <a:rPr lang="en-GB" altLang="da-DK" sz="1600" dirty="0" smtClean="0"/>
-              <a:t>Approximately 100 within cs, and 30 within it product development</a:t>
+              <a:t>Approximately 100 within cs, and 25 within it product development</a:t>
             </a:r>
           </a:p>
           <a:p>
@@ -7167,7 +7178,7 @@
             </a:pPr>
             <a:r>
               <a:rPr lang="en-GB" altLang="da-DK" sz="1600" dirty="0" smtClean="0"/>
-              <a:t>Officially, there are two different bachelor project courses, but in practice, they are organised as a single course with one Blackboard page and common lectures</a:t>
+              <a:t>Officially, there are two different bachelor project courses, but in practice, they are organised as a single course with one Brightspace page and common lectures</a:t>
             </a:r>
             <a:endParaRPr lang="en-GB" altLang="da-DK" sz="1600" dirty="0" smtClean="0">
               <a:solidFill>
@@ -7411,7 +7422,7 @@
         <p:spPr>
           <a:xfrm>
             <a:off x="323528" y="1052736"/>
-            <a:ext cx="8640960" cy="5348064"/>
+            <a:ext cx="8712968" cy="5348064"/>
           </a:xfrm>
           <a:noFill/>
         </p:spPr>
@@ -7434,12 +7445,28 @@
               </a:spcBef>
             </a:pPr>
             <a:r>
+              <a:rPr lang="en-US" sz="1600" kern="1200" dirty="0" smtClean="0">
+                <a:latin typeface="Arial" pitchFamily="34" charset="0"/>
+                <a:ea typeface="ＭＳ Ｐゴシック" pitchFamily="34" charset="-128"/>
+                <a:cs typeface="+mn-cs"/>
+              </a:rPr>
+              <a:t>Algorithms, Data Structures and Machine Learning (Chris </a:t>
+            </a:r>
+            <a:r>
               <a:rPr lang="en-US" sz="1600" kern="1200" dirty="0">
                 <a:latin typeface="Arial" pitchFamily="34" charset="0"/>
                 <a:ea typeface="ＭＳ Ｐゴシック" pitchFamily="34" charset="-128"/>
                 <a:cs typeface="+mn-cs"/>
               </a:rPr>
-              <a:t>Algorithms and Data </a:t>
+              <a:t>Rene </a:t>
+            </a:r>
+            <a:r>
+              <a:rPr lang="en-US" sz="1600" kern="1200" dirty="0" err="1" smtClean="0">
+                <a:latin typeface="Arial" pitchFamily="34" charset="0"/>
+                <a:ea typeface="ＭＳ Ｐゴシック" pitchFamily="34" charset="-128"/>
+                <a:cs typeface="+mn-cs"/>
+              </a:rPr>
+              <a:t>Schwiegelshohn</a:t>
             </a:r>
             <a:r>
               <a:rPr lang="en-US" sz="1600" kern="1200" dirty="0" smtClean="0">
@@ -7447,9 +7474,9 @@
                 <a:ea typeface="ＭＳ Ｐゴシック" pitchFamily="34" charset="-128"/>
                 <a:cs typeface="+mn-cs"/>
               </a:rPr>
-              <a:t>Structures (Gerth Stølting Brodal)</a:t>
-            </a:r>
-            <a:endParaRPr lang="da-DK" sz="1600" kern="1200" dirty="0">
+              <a:t>)</a:t>
+            </a:r>
+            <a:endParaRPr lang="en-US" sz="1600" kern="1200" dirty="0">
               <a:latin typeface="Arial" pitchFamily="34" charset="0"/>
               <a:ea typeface="ＭＳ Ｐゴシック" pitchFamily="34" charset="-128"/>
               <a:cs typeface="+mn-cs"/>
@@ -7467,9 +7494,25 @@
                 <a:ea typeface="ＭＳ Ｐゴシック" pitchFamily="34" charset="-128"/>
                 <a:cs typeface="+mn-cs"/>
               </a:rPr>
-              <a:t>Bioinformatics (Christian Storm Pedersen)</a:t>
-            </a:r>
-            <a:endParaRPr lang="da-DK" sz="1600" kern="1200" dirty="0">
+              <a:t>Bioinformatics (Christian </a:t>
+            </a:r>
+            <a:r>
+              <a:rPr lang="en-US" sz="1600" kern="1200" dirty="0">
+                <a:latin typeface="Arial" pitchFamily="34" charset="0"/>
+                <a:ea typeface="ＭＳ Ｐゴシック" pitchFamily="34" charset="-128"/>
+                <a:cs typeface="+mn-cs"/>
+              </a:rPr>
+              <a:t>Storm </a:t>
+            </a:r>
+            <a:r>
+              <a:rPr lang="en-US" sz="1600" kern="1200" dirty="0" smtClean="0">
+                <a:latin typeface="Arial" pitchFamily="34" charset="0"/>
+                <a:ea typeface="ＭＳ Ｐゴシック" pitchFamily="34" charset="-128"/>
+                <a:cs typeface="+mn-cs"/>
+              </a:rPr>
+              <a:t>Pedersen)</a:t>
+            </a:r>
+            <a:endParaRPr lang="en-US" sz="1600" kern="1200" dirty="0">
               <a:latin typeface="Arial" pitchFamily="34" charset="0"/>
               <a:ea typeface="ＭＳ Ｐゴシック" pitchFamily="34" charset="-128"/>
               <a:cs typeface="+mn-cs"/>
@@ -7482,14 +7525,60 @@
               </a:spcBef>
             </a:pPr>
             <a:r>
+              <a:rPr lang="en-US" sz="1600" kern="1200">
+                <a:latin typeface="Arial" pitchFamily="34" charset="0"/>
+                <a:ea typeface="ＭＳ Ｐゴシック" pitchFamily="34" charset="-128"/>
+              </a:rPr>
+              <a:t>Collaboration and Computer-Human Interaction (Susanne Bødker)</a:t>
+            </a:r>
+          </a:p>
+          <a:p>
+            <a:pPr marL="728663" lvl="1" indent="-271463">
+              <a:spcBef>
+                <a:spcPts val="300"/>
+              </a:spcBef>
+            </a:pPr>
+            <a:r>
+              <a:rPr lang="en-US" sz="1600" kern="1200" smtClean="0">
+                <a:latin typeface="Arial" pitchFamily="34" charset="0"/>
+                <a:ea typeface="ＭＳ Ｐゴシック" pitchFamily="34" charset="-128"/>
+                <a:cs typeface="+mn-cs"/>
+              </a:rPr>
+              <a:t>Computational </a:t>
+            </a:r>
+            <a:r>
               <a:rPr lang="en-US" sz="1600" kern="1200" dirty="0">
                 <a:latin typeface="Arial" pitchFamily="34" charset="0"/>
                 <a:ea typeface="ＭＳ Ｐゴシック" pitchFamily="34" charset="-128"/>
                 <a:cs typeface="+mn-cs"/>
               </a:rPr>
-              <a:t>Computer Mediated Activity (Susanne Bødker)</a:t>
-            </a:r>
-            <a:endParaRPr lang="da-DK" sz="1600" kern="1200" dirty="0">
+              <a:t>Complexity and Game </a:t>
+            </a:r>
+            <a:r>
+              <a:rPr lang="en-US" sz="1600" kern="1200" dirty="0" smtClean="0">
+                <a:latin typeface="Arial" pitchFamily="34" charset="0"/>
+                <a:ea typeface="ＭＳ Ｐゴシック" pitchFamily="34" charset="-128"/>
+                <a:cs typeface="+mn-cs"/>
+              </a:rPr>
+              <a:t>Theory (</a:t>
+            </a:r>
+            <a:r>
+              <a:rPr lang="en-US" sz="1600" kern="1200" dirty="0" err="1" smtClean="0">
+                <a:latin typeface="Arial" pitchFamily="34" charset="0"/>
+                <a:ea typeface="ＭＳ Ｐゴシック" pitchFamily="34" charset="-128"/>
+                <a:cs typeface="+mn-cs"/>
+              </a:rPr>
+              <a:t>Srikanth</a:t>
+            </a:r>
+            <a:r>
+              <a:rPr lang="en-US" sz="1600" kern="1200" dirty="0" smtClean="0">
+                <a:latin typeface="Arial" pitchFamily="34" charset="0"/>
+                <a:ea typeface="ＭＳ Ｐゴシック" pitchFamily="34" charset="-128"/>
+                <a:cs typeface="+mn-cs"/>
+              </a:rPr>
+              <a:t> Srinivasan) </a:t>
+            </a:r>
+            <a:endParaRPr lang="en-US" sz="1600" kern="1200" dirty="0">
               <a:latin typeface="Arial" pitchFamily="34" charset="0"/>
               <a:ea typeface="ＭＳ Ｐゴシック" pitchFamily="34" charset="-128"/>
               <a:cs typeface="+mn-cs"/>
@@ -7515,9 +7604,33 @@
                 <a:ea typeface="ＭＳ Ｐゴシック" pitchFamily="34" charset="-128"/>
                 <a:cs typeface="+mn-cs"/>
               </a:rPr>
-              <a:t>and Security (Ivan Bjerre Damgård)</a:t>
-            </a:r>
-            <a:endParaRPr lang="da-DK" sz="1600" kern="1200" dirty="0">
+              <a:t>and </a:t>
+            </a:r>
+            <a:r>
+              <a:rPr lang="en-US" sz="1600" kern="1200" dirty="0" smtClean="0">
+                <a:latin typeface="Arial" pitchFamily="34" charset="0"/>
+                <a:ea typeface="ＭＳ Ｐゴシック" pitchFamily="34" charset="-128"/>
+                <a:cs typeface="+mn-cs"/>
+              </a:rPr>
+              <a:t>Security (Ivan </a:t>
+            </a:r>
+            <a:r>
+              <a:rPr lang="en-US" sz="1600" kern="1200" dirty="0">
+                <a:latin typeface="Arial" pitchFamily="34" charset="0"/>
+                <a:ea typeface="ＭＳ Ｐゴシック" pitchFamily="34" charset="-128"/>
+                <a:cs typeface="+mn-cs"/>
+              </a:rPr>
+              <a:t>Bjerre </a:t>
+            </a:r>
+            <a:r>
+              <a:rPr lang="en-US" sz="1600" kern="1200" dirty="0" smtClean="0">
+                <a:latin typeface="Arial" pitchFamily="34" charset="0"/>
+                <a:ea typeface="ＭＳ Ｐゴシック" pitchFamily="34" charset="-128"/>
+                <a:cs typeface="+mn-cs"/>
+              </a:rPr>
+              <a:t>Damgård)</a:t>
+            </a:r>
+            <a:endParaRPr lang="en-US" sz="1600" kern="1200" dirty="0">
               <a:latin typeface="Arial" pitchFamily="34" charset="0"/>
               <a:ea typeface="ＭＳ Ｐゴシック" pitchFamily="34" charset="-128"/>
               <a:cs typeface="+mn-cs"/>
@@ -7530,14 +7643,38 @@
               </a:spcBef>
             </a:pPr>
             <a:r>
+              <a:rPr lang="en-US" sz="1600" kern="1200" dirty="0">
+                <a:latin typeface="Arial" pitchFamily="34" charset="0"/>
+                <a:ea typeface="ＭＳ Ｐゴシック" pitchFamily="34" charset="-128"/>
+                <a:cs typeface="+mn-cs"/>
+              </a:rPr>
+              <a:t>Data-Intensive </a:t>
+            </a:r>
+            <a:r>
               <a:rPr lang="en-US" sz="1600" kern="1200" dirty="0" smtClean="0">
                 <a:latin typeface="Arial" pitchFamily="34" charset="0"/>
                 <a:ea typeface="ＭＳ Ｐゴシック" pitchFamily="34" charset="-128"/>
                 <a:cs typeface="+mn-cs"/>
               </a:rPr>
-              <a:t>Data-Intensive Systems (Ira Assent &amp; Davide Mottin)</a:t>
-            </a:r>
-            <a:endParaRPr lang="da-DK" sz="1600" kern="1200" dirty="0">
+              <a:t>Systems (Ira </a:t>
+            </a:r>
+            <a:r>
+              <a:rPr lang="en-US" sz="1600" kern="1200" dirty="0">
+                <a:latin typeface="Arial" pitchFamily="34" charset="0"/>
+                <a:ea typeface="ＭＳ Ｐゴシック" pitchFamily="34" charset="-128"/>
+                <a:cs typeface="+mn-cs"/>
+              </a:rPr>
+              <a:t>Assent &amp; Davide </a:t>
+            </a:r>
+            <a:r>
+              <a:rPr lang="en-US" sz="1600" kern="1200" dirty="0" smtClean="0">
+                <a:latin typeface="Arial" pitchFamily="34" charset="0"/>
+                <a:ea typeface="ＭＳ Ｐゴシック" pitchFamily="34" charset="-128"/>
+                <a:cs typeface="+mn-cs"/>
+              </a:rPr>
+              <a:t>Mottin)</a:t>
+            </a:r>
+            <a:endParaRPr lang="en-US" sz="1600" kern="1200" dirty="0">
               <a:latin typeface="Arial" pitchFamily="34" charset="0"/>
               <a:ea typeface="ＭＳ Ｐゴシック" pitchFamily="34" charset="-128"/>
               <a:cs typeface="+mn-cs"/>
@@ -7550,45 +7687,38 @@
               </a:spcBef>
             </a:pPr>
             <a:r>
-              <a:rPr lang="en-US" sz="1600" kern="1200" dirty="0" smtClean="0">
+              <a:rPr lang="en-US" sz="1600" kern="1200" spc="-70" dirty="0">
                 <a:latin typeface="Arial" pitchFamily="34" charset="0"/>
                 <a:ea typeface="ＭＳ Ｐゴシック" pitchFamily="34" charset="-128"/>
                 <a:cs typeface="+mn-cs"/>
               </a:rPr>
-              <a:t>Logic </a:t>
-            </a:r>
-            <a:r>
-              <a:rPr lang="en-US" sz="1600" kern="1200" dirty="0">
+              <a:t>Logic and Semantics &amp; Programming </a:t>
+            </a:r>
+            <a:r>
+              <a:rPr lang="en-US" sz="1600" kern="1200" spc="-70" dirty="0" smtClean="0">
                 <a:latin typeface="Arial" pitchFamily="34" charset="0"/>
                 <a:ea typeface="ＭＳ Ｐゴシック" pitchFamily="34" charset="-128"/>
                 <a:cs typeface="+mn-cs"/>
               </a:rPr>
-              <a:t>and </a:t>
-            </a:r>
-            <a:r>
-              <a:rPr lang="en-US" sz="1600" kern="1200" dirty="0" smtClean="0">
+              <a:t>Languages (Andreas </a:t>
+            </a:r>
+            <a:r>
+              <a:rPr lang="en-US" sz="1600" kern="1200" spc="-70" dirty="0">
                 <a:latin typeface="Arial" pitchFamily="34" charset="0"/>
                 <a:ea typeface="ＭＳ Ｐゴシック" pitchFamily="34" charset="-128"/>
                 <a:cs typeface="+mn-cs"/>
               </a:rPr>
-              <a:t>Semantics &amp; </a:t>
-            </a:r>
-            <a:r>
-              <a:rPr lang="en-US" sz="1600" kern="1200" dirty="0">
-                <a:latin typeface="Arial" pitchFamily="34" charset="0"/>
-                <a:ea typeface="ＭＳ Ｐゴシック" pitchFamily="34" charset="-128"/>
-              </a:rPr>
-              <a:t>Programming Languages</a:t>
-            </a:r>
-            <a:r>
-              <a:rPr lang="en-US" sz="1600" kern="1200" dirty="0" smtClean="0">
+              <a:t>Pavlogiannis &amp; Jaco van de </a:t>
+            </a:r>
+            <a:r>
+              <a:rPr lang="en-US" sz="1600" kern="1200" spc="-70" dirty="0" smtClean="0">
                 <a:latin typeface="Arial" pitchFamily="34" charset="0"/>
                 <a:ea typeface="ＭＳ Ｐゴシック" pitchFamily="34" charset="-128"/>
                 <a:cs typeface="+mn-cs"/>
               </a:rPr>
-              <a:t> (Lars Birkedal &amp; Jaco van de Pol)</a:t>
-            </a:r>
-            <a:endParaRPr lang="da-DK" sz="1600" kern="1200" dirty="0">
+              <a:t>Pol)</a:t>
+            </a:r>
+            <a:endParaRPr lang="en-US" sz="1600" kern="1200" spc="-70" dirty="0">
               <a:latin typeface="Arial" pitchFamily="34" charset="0"/>
               <a:ea typeface="ＭＳ Ｐゴシック" pitchFamily="34" charset="-128"/>
               <a:cs typeface="+mn-cs"/>
@@ -7601,30 +7731,22 @@
               </a:spcBef>
             </a:pPr>
             <a:r>
+              <a:rPr lang="en-US" sz="1600" kern="1200" dirty="0">
+                <a:latin typeface="Arial" pitchFamily="34" charset="0"/>
+                <a:ea typeface="ＭＳ Ｐゴシック" pitchFamily="34" charset="-128"/>
+                <a:cs typeface="+mn-cs"/>
+              </a:rPr>
+              <a:t>Ubiquitous Computing and </a:t>
+            </a:r>
+            <a:r>
               <a:rPr lang="en-US" sz="1600" kern="1200" dirty="0" smtClean="0">
                 <a:latin typeface="Arial" pitchFamily="34" charset="0"/>
                 <a:ea typeface="ＭＳ Ｐゴシック" pitchFamily="34" charset="-128"/>
                 <a:cs typeface="+mn-cs"/>
               </a:rPr>
-              <a:t>Ubiquitous </a:t>
-            </a:r>
-            <a:r>
-              <a:rPr lang="en-US" sz="1600" kern="1200" dirty="0">
-                <a:latin typeface="Arial" pitchFamily="34" charset="0"/>
-                <a:ea typeface="ＭＳ Ｐゴシック" pitchFamily="34" charset="-128"/>
-                <a:cs typeface="+mn-cs"/>
-              </a:rPr>
-              <a:t>Computing and </a:t>
-            </a:r>
-            <a:r>
-              <a:rPr lang="en-US" sz="1600" kern="1200" dirty="0" smtClean="0">
-                <a:latin typeface="Arial" pitchFamily="34" charset="0"/>
-                <a:ea typeface="ＭＳ Ｐゴシック" pitchFamily="34" charset="-128"/>
-                <a:cs typeface="+mn-cs"/>
-              </a:rPr>
               <a:t>Interaction (Hans-Jörg Schulz)</a:t>
             </a:r>
-            <a:endParaRPr lang="da-DK" sz="1600" kern="1200" dirty="0">
+            <a:endParaRPr lang="en-US" sz="1600" kern="1200" dirty="0">
               <a:latin typeface="Arial" pitchFamily="34" charset="0"/>
               <a:ea typeface="ＭＳ Ｐゴシック" pitchFamily="34" charset="-128"/>
               <a:cs typeface="+mn-cs"/>
@@ -7633,55 +7755,19 @@
           <a:p>
             <a:pPr marL="342900" lvl="1" indent="-342900" eaLnBrk="1" hangingPunct="1">
               <a:spcBef>
-                <a:spcPts val="1200"/>
+                <a:spcPts val="1800"/>
               </a:spcBef>
               <a:buChar char="•"/>
               <a:defRPr/>
             </a:pPr>
             <a:r>
-              <a:rPr lang="en-US" sz="1800" b="1" smtClean="0">
+              <a:rPr lang="en-US" sz="1800" b="1" dirty="0">
                 <a:solidFill>
                   <a:srgbClr val="A50021"/>
                 </a:solidFill>
                 <a:cs typeface="ＭＳ Ｐゴシック" charset="0"/>
               </a:rPr>
-              <a:t>The </a:t>
-            </a:r>
-            <a:r>
-              <a:rPr lang="en-US" sz="1800" b="1" dirty="0" smtClean="0">
-                <a:solidFill>
-                  <a:srgbClr val="A50021"/>
-                </a:solidFill>
-                <a:cs typeface="ＭＳ Ｐゴシック" charset="0"/>
-              </a:rPr>
-              <a:t>person(s) in parenthesis </a:t>
-            </a:r>
-            <a:r>
-              <a:rPr lang="en-US" sz="1800" b="1" dirty="0">
-                <a:solidFill>
-                  <a:srgbClr val="A50021"/>
-                </a:solidFill>
-                <a:cs typeface="ＭＳ Ｐゴシック" charset="0"/>
-              </a:rPr>
-              <a:t>is the point of contact </a:t>
-            </a:r>
-            <a:r>
-              <a:rPr lang="en-US" sz="1800" b="1" dirty="0" smtClean="0">
-                <a:solidFill>
-                  <a:srgbClr val="A50021"/>
-                </a:solidFill>
-                <a:cs typeface="ＭＳ Ｐゴシック" charset="0"/>
-              </a:rPr>
-              <a:t>for </a:t>
-            </a:r>
-            <a:r>
-              <a:rPr lang="en-US" sz="1800" b="1" dirty="0">
-                <a:solidFill>
-                  <a:srgbClr val="A50021"/>
-                </a:solidFill>
-                <a:cs typeface="ＭＳ Ｐゴシック" charset="0"/>
-              </a:rPr>
-              <a:t>the research group</a:t>
+              <a:t>The person(s) in parenthesis is the point of contact for the research group</a:t>
             </a:r>
           </a:p>
           <a:p>
@@ -7815,8 +7901,8 @@
         </p:nvSpPr>
         <p:spPr>
           <a:xfrm>
-            <a:off x="447463" y="967010"/>
-            <a:ext cx="8496944" cy="5846365"/>
+            <a:off x="447463" y="1039018"/>
+            <a:ext cx="8496944" cy="5558334"/>
           </a:xfrm>
           <a:noFill/>
         </p:spPr>
@@ -8457,7 +8543,7 @@
         </p:nvSpPr>
         <p:spPr>
           <a:xfrm>
-            <a:off x="468313" y="1011635"/>
+            <a:off x="468313" y="1052736"/>
             <a:ext cx="8424167" cy="4145557"/>
           </a:xfrm>
           <a:noFill/>
@@ -8563,7 +8649,7 @@
                 </a:solidFill>
                 <a:cs typeface="ＭＳ Ｐゴシック" charset="0"/>
               </a:rPr>
-              <a:t>Oral exam in the end of June</a:t>
+              <a:t>Oral exam in June</a:t>
             </a:r>
             <a:endParaRPr lang="en-GB" sz="1800" b="1" dirty="0">
               <a:solidFill>
@@ -8820,7 +8906,7 @@
             </a:pPr>
             <a:r>
               <a:rPr lang="en-GB" altLang="da-DK" sz="1800" noProof="0" dirty="0" smtClean="0"/>
-              <a:t>On the Blackboard page of bachelor project course you can find a number of proposals for bachelor projects</a:t>
+              <a:t>On the Brightspace page of bachelor project course you can find a number of proposals for bachelor projects</a:t>
             </a:r>
           </a:p>
           <a:p>
@@ -9615,21 +9701,35 @@
                 <a:latin typeface="Arial" pitchFamily="34" charset="0"/>
                 <a:ea typeface="ＭＳ Ｐゴシック" pitchFamily="34" charset="-128"/>
               </a:rPr>
-              <a:t>One </a:t>
+              <a:t>The discussion forum (on </a:t>
             </a:r>
             <a:r>
               <a:rPr lang="en-GB" sz="1600" kern="1200" dirty="0">
                 <a:latin typeface="Arial" pitchFamily="34" charset="0"/>
                 <a:ea typeface="ＭＳ Ｐゴシック" pitchFamily="34" charset="-128"/>
               </a:rPr>
-              <a:t>of the forums at the Webboard (of the Blackboard page) can be used to </a:t>
+              <a:t>the </a:t>
             </a:r>
             <a:r>
               <a:rPr lang="en-GB" sz="1600" kern="1200" dirty="0" smtClean="0">
                 <a:latin typeface="Arial" pitchFamily="34" charset="0"/>
                 <a:ea typeface="ＭＳ Ｐゴシック" pitchFamily="34" charset="-128"/>
               </a:rPr>
-              <a:t>seek </a:t>
+              <a:t>Brightspace </a:t>
+            </a:r>
+            <a:r>
+              <a:rPr lang="en-GB" sz="1600" kern="1200" dirty="0">
+                <a:latin typeface="Arial" pitchFamily="34" charset="0"/>
+                <a:ea typeface="ＭＳ Ｐゴシック" pitchFamily="34" charset="-128"/>
+              </a:rPr>
+              <a:t>page) </a:t>
+            </a:r>
+            <a:r>
+              <a:rPr lang="en-GB" sz="1600" kern="1200" dirty="0" smtClean="0">
+                <a:latin typeface="Arial" pitchFamily="34" charset="0"/>
+                <a:ea typeface="ＭＳ Ｐゴシック" pitchFamily="34" charset="-128"/>
+              </a:rPr>
+              <a:t>has a topic, where you can advertise for </a:t>
             </a:r>
             <a:r>
               <a:rPr lang="en-GB" sz="1600" kern="1200" dirty="0">
@@ -9653,7 +9753,7 @@
           <a:p>
             <a:pPr marL="271463" lvl="1" indent="-271463">
               <a:spcBef>
-                <a:spcPts val="1200"/>
+                <a:spcPts val="1800"/>
               </a:spcBef>
               <a:buChar char="•"/>
             </a:pPr>
@@ -9945,7 +10045,15 @@
             </a:pPr>
             <a:r>
               <a:rPr lang="en-GB" sz="1600" dirty="0"/>
-              <a:t>This is done on the Blackboard page </a:t>
+              <a:t>This is done on the </a:t>
+            </a:r>
+            <a:r>
+              <a:rPr lang="en-GB" sz="1600" dirty="0" smtClean="0"/>
+              <a:t>Brightspace </a:t>
+            </a:r>
+            <a:r>
+              <a:rPr lang="en-GB" sz="1600" dirty="0"/>
+              <a:t>page </a:t>
             </a:r>
             <a:r>
               <a:rPr lang="en-GB" sz="1600" b="1" dirty="0">
@@ -9953,8 +10061,21 @@
                   <a:srgbClr val="008000"/>
                 </a:solidFill>
               </a:rPr>
-              <a:t>Registration of groups</a:t>
-            </a:r>
+              <a:t>Registration of </a:t>
+            </a:r>
+            <a:r>
+              <a:rPr lang="en-GB" sz="1600" b="1" dirty="0" smtClean="0">
+                <a:solidFill>
+                  <a:srgbClr val="008000"/>
+                </a:solidFill>
+              </a:rPr>
+              <a:t>bachelor project groups</a:t>
+            </a:r>
+            <a:endParaRPr lang="en-GB" sz="1600" b="1" dirty="0">
+              <a:solidFill>
+                <a:srgbClr val="008000"/>
+              </a:solidFill>
+            </a:endParaRPr>
           </a:p>
           <a:p>
             <a:pPr marL="728663" lvl="1" indent="-271463">
@@ -9964,7 +10085,7 @@
             </a:pPr>
             <a:r>
               <a:rPr lang="en-GB" sz="1600" dirty="0" smtClean="0"/>
-              <a:t>Registration will be open from </a:t>
+              <a:t>Registration will be open on </a:t>
             </a:r>
             <a:r>
               <a:rPr lang="en-GB" sz="1600" b="1" dirty="0" smtClean="0">
@@ -9972,7 +10093,7 @@
                   <a:srgbClr val="008000"/>
                 </a:solidFill>
               </a:rPr>
-              <a:t>Thursday November 26 </a:t>
+              <a:t>Monday November 29 </a:t>
             </a:r>
             <a:r>
               <a:rPr lang="en-GB" sz="1600" dirty="0"/>
@@ -9984,7 +10105,7 @@
                   <a:srgbClr val="008000"/>
                 </a:solidFill>
               </a:rPr>
-              <a:t> Monday January 18</a:t>
+              <a:t> Monday January 17</a:t>
             </a:r>
           </a:p>
           <a:p>
@@ -10041,7 +10162,7 @@
                   <a:srgbClr val="008000"/>
                 </a:solidFill>
               </a:rPr>
-              <a:t>one group</a:t>
+              <a:t>one research group</a:t>
             </a:r>
             <a:r>
               <a:rPr lang="en-GB" sz="1600" dirty="0" smtClean="0"/>
@@ -10166,11 +10287,18 @@
             </a:r>
             <a:r>
               <a:rPr lang="en-GB" sz="1600" dirty="0"/>
-              <a:t> of groups for each research group can be seen </a:t>
+              <a:t> of groups for each research group </a:t>
             </a:r>
             <a:r>
               <a:rPr lang="en-GB" sz="1600" dirty="0" smtClean="0"/>
-              <a:t>on the registration page (which will become available on November 26)</a:t>
+              <a:t>is 15</a:t>
+            </a:r>
+            <a:br>
+              <a:rPr lang="en-GB" sz="1600" dirty="0" smtClean="0"/>
+            </a:br>
+            <a:r>
+              <a:rPr lang="en-GB" sz="1600" dirty="0" smtClean="0"/>
+              <a:t>(except Bioinformatics where it is 5)</a:t>
             </a:r>
             <a:endParaRPr lang="en-GB" sz="1600" b="1" dirty="0">
               <a:solidFill>
